--- a/doc/nearby_location.pptx
+++ b/doc/nearby_location.pptx
@@ -120,7 +120,7 @@
   </p:defaultTextStyle>
   <p:extLst>
     <p:ext uri="{EFAFB233-063F-42B5-8137-9DF3F51BA10A}">
-      <p15:sldGuideLst xmlns="" xmlns:p15="http://schemas.microsoft.com/office/powerpoint/2012/main"/>
+      <p15:sldGuideLst xmlns:p15="http://schemas.microsoft.com/office/powerpoint/2012/main" xmlns=""/>
     </p:ext>
   </p:extLst>
 </p:presentation>
@@ -131,7 +131,7 @@
   <p:cmAuthor id="1" name="Chandan Thakur" initials="CT" lastIdx="1" clrIdx="0">
     <p:extLst>
       <p:ext uri="{19B8F6BF-5375-455C-9EA6-DF929625EA0E}">
-        <p15:presenceInfo xmlns="" xmlns:p15="http://schemas.microsoft.com/office/powerpoint/2012/main" userId="S::chandan.thakur@nutanix.com::35475b98-2224-4d8a-b446-5a31884393c9" providerId="AD"/>
+        <p15:presenceInfo xmlns:p15="http://schemas.microsoft.com/office/powerpoint/2012/main" xmlns="" userId="S::chandan.thakur@nutanix.com::35475b98-2224-4d8a-b446-5a31884393c9" providerId="AD"/>
       </p:ext>
     </p:extLst>
   </p:cmAuthor>
@@ -160,7 +160,7 @@
           <p:cNvPr id="2" name="Title 1">
             <a:extLst>
               <a:ext uri="{FF2B5EF4-FFF2-40B4-BE49-F238E27FC236}">
-                <a16:creationId xmlns="" xmlns:a16="http://schemas.microsoft.com/office/drawing/2014/main" id="{BAB342EA-D99C-E749-8095-D578D5BCF76F}"/>
+                <a16:creationId xmlns:a16="http://schemas.microsoft.com/office/drawing/2014/main" xmlns="" id="{BAB342EA-D99C-E749-8095-D578D5BCF76F}"/>
               </a:ext>
             </a:extLst>
           </p:cNvPr>
@@ -197,7 +197,7 @@
           <p:cNvPr id="3" name="Subtitle 2">
             <a:extLst>
               <a:ext uri="{FF2B5EF4-FFF2-40B4-BE49-F238E27FC236}">
-                <a16:creationId xmlns="" xmlns:a16="http://schemas.microsoft.com/office/drawing/2014/main" id="{83CAEC17-5848-CC41-9FB0-5F01E793739D}"/>
+                <a16:creationId xmlns:a16="http://schemas.microsoft.com/office/drawing/2014/main" xmlns="" id="{83CAEC17-5848-CC41-9FB0-5F01E793739D}"/>
               </a:ext>
             </a:extLst>
           </p:cNvPr>
@@ -267,7 +267,7 @@
           <p:cNvPr id="4" name="Date Placeholder 3">
             <a:extLst>
               <a:ext uri="{FF2B5EF4-FFF2-40B4-BE49-F238E27FC236}">
-                <a16:creationId xmlns="" xmlns:a16="http://schemas.microsoft.com/office/drawing/2014/main" id="{5EFBE3AD-5C90-E948-B726-4109F7A8E098}"/>
+                <a16:creationId xmlns:a16="http://schemas.microsoft.com/office/drawing/2014/main" xmlns="" id="{5EFBE3AD-5C90-E948-B726-4109F7A8E098}"/>
               </a:ext>
             </a:extLst>
           </p:cNvPr>
@@ -285,7 +285,7 @@
           <a:p>
             <a:fld id="{7B1CCDE6-6509-7647-80D5-5682AF1CD711}" type="datetimeFigureOut">
               <a:rPr lang="en-US" smtClean="0"/>
-              <a:t>6/3/2019</a:t>
+              <a:t>6/4/2019</a:t>
             </a:fld>
             <a:endParaRPr lang="en-US"/>
           </a:p>
@@ -296,7 +296,7 @@
           <p:cNvPr id="5" name="Footer Placeholder 4">
             <a:extLst>
               <a:ext uri="{FF2B5EF4-FFF2-40B4-BE49-F238E27FC236}">
-                <a16:creationId xmlns="" xmlns:a16="http://schemas.microsoft.com/office/drawing/2014/main" id="{32DAC691-11C1-134D-8B12-FE8EF869F166}"/>
+                <a16:creationId xmlns:a16="http://schemas.microsoft.com/office/drawing/2014/main" xmlns="" id="{32DAC691-11C1-134D-8B12-FE8EF869F166}"/>
               </a:ext>
             </a:extLst>
           </p:cNvPr>
@@ -321,7 +321,7 @@
           <p:cNvPr id="6" name="Slide Number Placeholder 5">
             <a:extLst>
               <a:ext uri="{FF2B5EF4-FFF2-40B4-BE49-F238E27FC236}">
-                <a16:creationId xmlns="" xmlns:a16="http://schemas.microsoft.com/office/drawing/2014/main" id="{164DCCDF-5686-5B47-BCFA-907D6405DBB4}"/>
+                <a16:creationId xmlns:a16="http://schemas.microsoft.com/office/drawing/2014/main" xmlns="" id="{164DCCDF-5686-5B47-BCFA-907D6405DBB4}"/>
               </a:ext>
             </a:extLst>
           </p:cNvPr>
@@ -380,7 +380,7 @@
           <p:cNvPr id="2" name="Title 1">
             <a:extLst>
               <a:ext uri="{FF2B5EF4-FFF2-40B4-BE49-F238E27FC236}">
-                <a16:creationId xmlns="" xmlns:a16="http://schemas.microsoft.com/office/drawing/2014/main" id="{39E350DC-F3F4-FC42-A43B-20BD541F6391}"/>
+                <a16:creationId xmlns:a16="http://schemas.microsoft.com/office/drawing/2014/main" xmlns="" id="{39E350DC-F3F4-FC42-A43B-20BD541F6391}"/>
               </a:ext>
             </a:extLst>
           </p:cNvPr>
@@ -408,7 +408,7 @@
           <p:cNvPr id="3" name="Vertical Text Placeholder 2">
             <a:extLst>
               <a:ext uri="{FF2B5EF4-FFF2-40B4-BE49-F238E27FC236}">
-                <a16:creationId xmlns="" xmlns:a16="http://schemas.microsoft.com/office/drawing/2014/main" id="{2D1F6E0A-672C-A941-9BEE-888269B346F7}"/>
+                <a16:creationId xmlns:a16="http://schemas.microsoft.com/office/drawing/2014/main" xmlns="" id="{2D1F6E0A-672C-A941-9BEE-888269B346F7}"/>
               </a:ext>
             </a:extLst>
           </p:cNvPr>
@@ -465,7 +465,7 @@
           <p:cNvPr id="4" name="Date Placeholder 3">
             <a:extLst>
               <a:ext uri="{FF2B5EF4-FFF2-40B4-BE49-F238E27FC236}">
-                <a16:creationId xmlns="" xmlns:a16="http://schemas.microsoft.com/office/drawing/2014/main" id="{359E509A-8E6F-B640-A2F8-78F7ECE63CA9}"/>
+                <a16:creationId xmlns:a16="http://schemas.microsoft.com/office/drawing/2014/main" xmlns="" id="{359E509A-8E6F-B640-A2F8-78F7ECE63CA9}"/>
               </a:ext>
             </a:extLst>
           </p:cNvPr>
@@ -483,7 +483,7 @@
           <a:p>
             <a:fld id="{7B1CCDE6-6509-7647-80D5-5682AF1CD711}" type="datetimeFigureOut">
               <a:rPr lang="en-US" smtClean="0"/>
-              <a:t>6/3/2019</a:t>
+              <a:t>6/4/2019</a:t>
             </a:fld>
             <a:endParaRPr lang="en-US"/>
           </a:p>
@@ -494,7 +494,7 @@
           <p:cNvPr id="5" name="Footer Placeholder 4">
             <a:extLst>
               <a:ext uri="{FF2B5EF4-FFF2-40B4-BE49-F238E27FC236}">
-                <a16:creationId xmlns="" xmlns:a16="http://schemas.microsoft.com/office/drawing/2014/main" id="{6D6346A1-178B-F04D-AA4A-6602B529CC11}"/>
+                <a16:creationId xmlns:a16="http://schemas.microsoft.com/office/drawing/2014/main" xmlns="" id="{6D6346A1-178B-F04D-AA4A-6602B529CC11}"/>
               </a:ext>
             </a:extLst>
           </p:cNvPr>
@@ -519,7 +519,7 @@
           <p:cNvPr id="6" name="Slide Number Placeholder 5">
             <a:extLst>
               <a:ext uri="{FF2B5EF4-FFF2-40B4-BE49-F238E27FC236}">
-                <a16:creationId xmlns="" xmlns:a16="http://schemas.microsoft.com/office/drawing/2014/main" id="{C96E1036-AB16-9746-9AE8-29411F2815F6}"/>
+                <a16:creationId xmlns:a16="http://schemas.microsoft.com/office/drawing/2014/main" xmlns="" id="{C96E1036-AB16-9746-9AE8-29411F2815F6}"/>
               </a:ext>
             </a:extLst>
           </p:cNvPr>
@@ -578,7 +578,7 @@
           <p:cNvPr id="2" name="Vertical Title 1">
             <a:extLst>
               <a:ext uri="{FF2B5EF4-FFF2-40B4-BE49-F238E27FC236}">
-                <a16:creationId xmlns="" xmlns:a16="http://schemas.microsoft.com/office/drawing/2014/main" id="{C69ED4BC-70EB-7146-9E6D-A55CAD9237D0}"/>
+                <a16:creationId xmlns:a16="http://schemas.microsoft.com/office/drawing/2014/main" xmlns="" id="{C69ED4BC-70EB-7146-9E6D-A55CAD9237D0}"/>
               </a:ext>
             </a:extLst>
           </p:cNvPr>
@@ -611,7 +611,7 @@
           <p:cNvPr id="3" name="Vertical Text Placeholder 2">
             <a:extLst>
               <a:ext uri="{FF2B5EF4-FFF2-40B4-BE49-F238E27FC236}">
-                <a16:creationId xmlns="" xmlns:a16="http://schemas.microsoft.com/office/drawing/2014/main" id="{C8BB78BF-7297-3A42-9BA9-EFCD3F0EBB28}"/>
+                <a16:creationId xmlns:a16="http://schemas.microsoft.com/office/drawing/2014/main" xmlns="" id="{C8BB78BF-7297-3A42-9BA9-EFCD3F0EBB28}"/>
               </a:ext>
             </a:extLst>
           </p:cNvPr>
@@ -673,7 +673,7 @@
           <p:cNvPr id="4" name="Date Placeholder 3">
             <a:extLst>
               <a:ext uri="{FF2B5EF4-FFF2-40B4-BE49-F238E27FC236}">
-                <a16:creationId xmlns="" xmlns:a16="http://schemas.microsoft.com/office/drawing/2014/main" id="{3D659641-14E0-DA43-9CAF-5BF30D2F5ED4}"/>
+                <a16:creationId xmlns:a16="http://schemas.microsoft.com/office/drawing/2014/main" xmlns="" id="{3D659641-14E0-DA43-9CAF-5BF30D2F5ED4}"/>
               </a:ext>
             </a:extLst>
           </p:cNvPr>
@@ -691,7 +691,7 @@
           <a:p>
             <a:fld id="{7B1CCDE6-6509-7647-80D5-5682AF1CD711}" type="datetimeFigureOut">
               <a:rPr lang="en-US" smtClean="0"/>
-              <a:t>6/3/2019</a:t>
+              <a:t>6/4/2019</a:t>
             </a:fld>
             <a:endParaRPr lang="en-US"/>
           </a:p>
@@ -702,7 +702,7 @@
           <p:cNvPr id="5" name="Footer Placeholder 4">
             <a:extLst>
               <a:ext uri="{FF2B5EF4-FFF2-40B4-BE49-F238E27FC236}">
-                <a16:creationId xmlns="" xmlns:a16="http://schemas.microsoft.com/office/drawing/2014/main" id="{BD657C27-365E-4646-A586-AC9B6761BF95}"/>
+                <a16:creationId xmlns:a16="http://schemas.microsoft.com/office/drawing/2014/main" xmlns="" id="{BD657C27-365E-4646-A586-AC9B6761BF95}"/>
               </a:ext>
             </a:extLst>
           </p:cNvPr>
@@ -727,7 +727,7 @@
           <p:cNvPr id="6" name="Slide Number Placeholder 5">
             <a:extLst>
               <a:ext uri="{FF2B5EF4-FFF2-40B4-BE49-F238E27FC236}">
-                <a16:creationId xmlns="" xmlns:a16="http://schemas.microsoft.com/office/drawing/2014/main" id="{DCAF3419-BA74-1842-A837-37577FB42AEC}"/>
+                <a16:creationId xmlns:a16="http://schemas.microsoft.com/office/drawing/2014/main" xmlns="" id="{DCAF3419-BA74-1842-A837-37577FB42AEC}"/>
               </a:ext>
             </a:extLst>
           </p:cNvPr>
@@ -786,7 +786,7 @@
           <p:cNvPr id="2" name="Title 1">
             <a:extLst>
               <a:ext uri="{FF2B5EF4-FFF2-40B4-BE49-F238E27FC236}">
-                <a16:creationId xmlns="" xmlns:a16="http://schemas.microsoft.com/office/drawing/2014/main" id="{F9D45EBD-DBCB-664E-81D9-E2476AF46001}"/>
+                <a16:creationId xmlns:a16="http://schemas.microsoft.com/office/drawing/2014/main" xmlns="" id="{F9D45EBD-DBCB-664E-81D9-E2476AF46001}"/>
               </a:ext>
             </a:extLst>
           </p:cNvPr>
@@ -814,7 +814,7 @@
           <p:cNvPr id="3" name="Content Placeholder 2">
             <a:extLst>
               <a:ext uri="{FF2B5EF4-FFF2-40B4-BE49-F238E27FC236}">
-                <a16:creationId xmlns="" xmlns:a16="http://schemas.microsoft.com/office/drawing/2014/main" id="{DD4D7EB3-80F5-BC4E-8A04-AAB270D19863}"/>
+                <a16:creationId xmlns:a16="http://schemas.microsoft.com/office/drawing/2014/main" xmlns="" id="{DD4D7EB3-80F5-BC4E-8A04-AAB270D19863}"/>
               </a:ext>
             </a:extLst>
           </p:cNvPr>
@@ -871,7 +871,7 @@
           <p:cNvPr id="4" name="Date Placeholder 3">
             <a:extLst>
               <a:ext uri="{FF2B5EF4-FFF2-40B4-BE49-F238E27FC236}">
-                <a16:creationId xmlns="" xmlns:a16="http://schemas.microsoft.com/office/drawing/2014/main" id="{D6A03680-78C0-3C4D-B829-018A3459BB44}"/>
+                <a16:creationId xmlns:a16="http://schemas.microsoft.com/office/drawing/2014/main" xmlns="" id="{D6A03680-78C0-3C4D-B829-018A3459BB44}"/>
               </a:ext>
             </a:extLst>
           </p:cNvPr>
@@ -889,7 +889,7 @@
           <a:p>
             <a:fld id="{7B1CCDE6-6509-7647-80D5-5682AF1CD711}" type="datetimeFigureOut">
               <a:rPr lang="en-US" smtClean="0"/>
-              <a:t>6/3/2019</a:t>
+              <a:t>6/4/2019</a:t>
             </a:fld>
             <a:endParaRPr lang="en-US"/>
           </a:p>
@@ -900,7 +900,7 @@
           <p:cNvPr id="5" name="Footer Placeholder 4">
             <a:extLst>
               <a:ext uri="{FF2B5EF4-FFF2-40B4-BE49-F238E27FC236}">
-                <a16:creationId xmlns="" xmlns:a16="http://schemas.microsoft.com/office/drawing/2014/main" id="{CC989F54-EBC1-5740-95E4-066EF23F33F6}"/>
+                <a16:creationId xmlns:a16="http://schemas.microsoft.com/office/drawing/2014/main" xmlns="" id="{CC989F54-EBC1-5740-95E4-066EF23F33F6}"/>
               </a:ext>
             </a:extLst>
           </p:cNvPr>
@@ -925,7 +925,7 @@
           <p:cNvPr id="6" name="Slide Number Placeholder 5">
             <a:extLst>
               <a:ext uri="{FF2B5EF4-FFF2-40B4-BE49-F238E27FC236}">
-                <a16:creationId xmlns="" xmlns:a16="http://schemas.microsoft.com/office/drawing/2014/main" id="{FD96B43C-F402-474D-ADA4-3FD59A6B5E11}"/>
+                <a16:creationId xmlns:a16="http://schemas.microsoft.com/office/drawing/2014/main" xmlns="" id="{FD96B43C-F402-474D-ADA4-3FD59A6B5E11}"/>
               </a:ext>
             </a:extLst>
           </p:cNvPr>
@@ -984,7 +984,7 @@
           <p:cNvPr id="2" name="Title 1">
             <a:extLst>
               <a:ext uri="{FF2B5EF4-FFF2-40B4-BE49-F238E27FC236}">
-                <a16:creationId xmlns="" xmlns:a16="http://schemas.microsoft.com/office/drawing/2014/main" id="{C4E7ACB1-903B-AE49-8343-FFF81D710AD1}"/>
+                <a16:creationId xmlns:a16="http://schemas.microsoft.com/office/drawing/2014/main" xmlns="" id="{C4E7ACB1-903B-AE49-8343-FFF81D710AD1}"/>
               </a:ext>
             </a:extLst>
           </p:cNvPr>
@@ -1021,7 +1021,7 @@
           <p:cNvPr id="3" name="Text Placeholder 2">
             <a:extLst>
               <a:ext uri="{FF2B5EF4-FFF2-40B4-BE49-F238E27FC236}">
-                <a16:creationId xmlns="" xmlns:a16="http://schemas.microsoft.com/office/drawing/2014/main" id="{E245C05E-272F-344A-AA24-95D2402D9AE7}"/>
+                <a16:creationId xmlns:a16="http://schemas.microsoft.com/office/drawing/2014/main" xmlns="" id="{E245C05E-272F-344A-AA24-95D2402D9AE7}"/>
               </a:ext>
             </a:extLst>
           </p:cNvPr>
@@ -1146,7 +1146,7 @@
           <p:cNvPr id="4" name="Date Placeholder 3">
             <a:extLst>
               <a:ext uri="{FF2B5EF4-FFF2-40B4-BE49-F238E27FC236}">
-                <a16:creationId xmlns="" xmlns:a16="http://schemas.microsoft.com/office/drawing/2014/main" id="{0FDE7A33-99B9-3847-A347-E54D0552582F}"/>
+                <a16:creationId xmlns:a16="http://schemas.microsoft.com/office/drawing/2014/main" xmlns="" id="{0FDE7A33-99B9-3847-A347-E54D0552582F}"/>
               </a:ext>
             </a:extLst>
           </p:cNvPr>
@@ -1164,7 +1164,7 @@
           <a:p>
             <a:fld id="{7B1CCDE6-6509-7647-80D5-5682AF1CD711}" type="datetimeFigureOut">
               <a:rPr lang="en-US" smtClean="0"/>
-              <a:t>6/3/2019</a:t>
+              <a:t>6/4/2019</a:t>
             </a:fld>
             <a:endParaRPr lang="en-US"/>
           </a:p>
@@ -1175,7 +1175,7 @@
           <p:cNvPr id="5" name="Footer Placeholder 4">
             <a:extLst>
               <a:ext uri="{FF2B5EF4-FFF2-40B4-BE49-F238E27FC236}">
-                <a16:creationId xmlns="" xmlns:a16="http://schemas.microsoft.com/office/drawing/2014/main" id="{A8BC215C-C953-264C-A379-BD3F2F542B86}"/>
+                <a16:creationId xmlns:a16="http://schemas.microsoft.com/office/drawing/2014/main" xmlns="" id="{A8BC215C-C953-264C-A379-BD3F2F542B86}"/>
               </a:ext>
             </a:extLst>
           </p:cNvPr>
@@ -1200,7 +1200,7 @@
           <p:cNvPr id="6" name="Slide Number Placeholder 5">
             <a:extLst>
               <a:ext uri="{FF2B5EF4-FFF2-40B4-BE49-F238E27FC236}">
-                <a16:creationId xmlns="" xmlns:a16="http://schemas.microsoft.com/office/drawing/2014/main" id="{7DDAA87A-819F-D44D-89CA-D5660FE26333}"/>
+                <a16:creationId xmlns:a16="http://schemas.microsoft.com/office/drawing/2014/main" xmlns="" id="{7DDAA87A-819F-D44D-89CA-D5660FE26333}"/>
               </a:ext>
             </a:extLst>
           </p:cNvPr>
@@ -1259,7 +1259,7 @@
           <p:cNvPr id="2" name="Title 1">
             <a:extLst>
               <a:ext uri="{FF2B5EF4-FFF2-40B4-BE49-F238E27FC236}">
-                <a16:creationId xmlns="" xmlns:a16="http://schemas.microsoft.com/office/drawing/2014/main" id="{7D3F0A41-014C-3046-9407-0269E44703D6}"/>
+                <a16:creationId xmlns:a16="http://schemas.microsoft.com/office/drawing/2014/main" xmlns="" id="{7D3F0A41-014C-3046-9407-0269E44703D6}"/>
               </a:ext>
             </a:extLst>
           </p:cNvPr>
@@ -1287,7 +1287,7 @@
           <p:cNvPr id="3" name="Content Placeholder 2">
             <a:extLst>
               <a:ext uri="{FF2B5EF4-FFF2-40B4-BE49-F238E27FC236}">
-                <a16:creationId xmlns="" xmlns:a16="http://schemas.microsoft.com/office/drawing/2014/main" id="{134C7203-AB39-F147-A07B-79EAF913DB54}"/>
+                <a16:creationId xmlns:a16="http://schemas.microsoft.com/office/drawing/2014/main" xmlns="" id="{134C7203-AB39-F147-A07B-79EAF913DB54}"/>
               </a:ext>
             </a:extLst>
           </p:cNvPr>
@@ -1349,7 +1349,7 @@
           <p:cNvPr id="4" name="Content Placeholder 3">
             <a:extLst>
               <a:ext uri="{FF2B5EF4-FFF2-40B4-BE49-F238E27FC236}">
-                <a16:creationId xmlns="" xmlns:a16="http://schemas.microsoft.com/office/drawing/2014/main" id="{303EDE9B-093A-8746-B0A2-1B643A2F98B8}"/>
+                <a16:creationId xmlns:a16="http://schemas.microsoft.com/office/drawing/2014/main" xmlns="" id="{303EDE9B-093A-8746-B0A2-1B643A2F98B8}"/>
               </a:ext>
             </a:extLst>
           </p:cNvPr>
@@ -1411,7 +1411,7 @@
           <p:cNvPr id="5" name="Date Placeholder 4">
             <a:extLst>
               <a:ext uri="{FF2B5EF4-FFF2-40B4-BE49-F238E27FC236}">
-                <a16:creationId xmlns="" xmlns:a16="http://schemas.microsoft.com/office/drawing/2014/main" id="{9001AFA2-994F-D742-8D4A-0BA148819689}"/>
+                <a16:creationId xmlns:a16="http://schemas.microsoft.com/office/drawing/2014/main" xmlns="" id="{9001AFA2-994F-D742-8D4A-0BA148819689}"/>
               </a:ext>
             </a:extLst>
           </p:cNvPr>
@@ -1429,7 +1429,7 @@
           <a:p>
             <a:fld id="{7B1CCDE6-6509-7647-80D5-5682AF1CD711}" type="datetimeFigureOut">
               <a:rPr lang="en-US" smtClean="0"/>
-              <a:t>6/3/2019</a:t>
+              <a:t>6/4/2019</a:t>
             </a:fld>
             <a:endParaRPr lang="en-US"/>
           </a:p>
@@ -1440,7 +1440,7 @@
           <p:cNvPr id="6" name="Footer Placeholder 5">
             <a:extLst>
               <a:ext uri="{FF2B5EF4-FFF2-40B4-BE49-F238E27FC236}">
-                <a16:creationId xmlns="" xmlns:a16="http://schemas.microsoft.com/office/drawing/2014/main" id="{6AD88383-6112-B841-9637-BC194C4EB8B2}"/>
+                <a16:creationId xmlns:a16="http://schemas.microsoft.com/office/drawing/2014/main" xmlns="" id="{6AD88383-6112-B841-9637-BC194C4EB8B2}"/>
               </a:ext>
             </a:extLst>
           </p:cNvPr>
@@ -1465,7 +1465,7 @@
           <p:cNvPr id="7" name="Slide Number Placeholder 6">
             <a:extLst>
               <a:ext uri="{FF2B5EF4-FFF2-40B4-BE49-F238E27FC236}">
-                <a16:creationId xmlns="" xmlns:a16="http://schemas.microsoft.com/office/drawing/2014/main" id="{04B6445E-4BB2-8A4C-85F8-5760BC8E59E5}"/>
+                <a16:creationId xmlns:a16="http://schemas.microsoft.com/office/drawing/2014/main" xmlns="" id="{04B6445E-4BB2-8A4C-85F8-5760BC8E59E5}"/>
               </a:ext>
             </a:extLst>
           </p:cNvPr>
@@ -1524,7 +1524,7 @@
           <p:cNvPr id="2" name="Title 1">
             <a:extLst>
               <a:ext uri="{FF2B5EF4-FFF2-40B4-BE49-F238E27FC236}">
-                <a16:creationId xmlns="" xmlns:a16="http://schemas.microsoft.com/office/drawing/2014/main" id="{3AB0EC46-D163-1C4D-BD2A-F1B906F152E3}"/>
+                <a16:creationId xmlns:a16="http://schemas.microsoft.com/office/drawing/2014/main" xmlns="" id="{3AB0EC46-D163-1C4D-BD2A-F1B906F152E3}"/>
               </a:ext>
             </a:extLst>
           </p:cNvPr>
@@ -1557,7 +1557,7 @@
           <p:cNvPr id="3" name="Text Placeholder 2">
             <a:extLst>
               <a:ext uri="{FF2B5EF4-FFF2-40B4-BE49-F238E27FC236}">
-                <a16:creationId xmlns="" xmlns:a16="http://schemas.microsoft.com/office/drawing/2014/main" id="{B2913341-3E4B-FA4A-9EAD-19F30231EADC}"/>
+                <a16:creationId xmlns:a16="http://schemas.microsoft.com/office/drawing/2014/main" xmlns="" id="{B2913341-3E4B-FA4A-9EAD-19F30231EADC}"/>
               </a:ext>
             </a:extLst>
           </p:cNvPr>
@@ -1628,7 +1628,7 @@
           <p:cNvPr id="4" name="Content Placeholder 3">
             <a:extLst>
               <a:ext uri="{FF2B5EF4-FFF2-40B4-BE49-F238E27FC236}">
-                <a16:creationId xmlns="" xmlns:a16="http://schemas.microsoft.com/office/drawing/2014/main" id="{F6687B5C-3350-F946-9D4E-5F936440FA40}"/>
+                <a16:creationId xmlns:a16="http://schemas.microsoft.com/office/drawing/2014/main" xmlns="" id="{F6687B5C-3350-F946-9D4E-5F936440FA40}"/>
               </a:ext>
             </a:extLst>
           </p:cNvPr>
@@ -1690,7 +1690,7 @@
           <p:cNvPr id="5" name="Text Placeholder 4">
             <a:extLst>
               <a:ext uri="{FF2B5EF4-FFF2-40B4-BE49-F238E27FC236}">
-                <a16:creationId xmlns="" xmlns:a16="http://schemas.microsoft.com/office/drawing/2014/main" id="{BD35331C-4332-054E-A26E-65DE4997E3EE}"/>
+                <a16:creationId xmlns:a16="http://schemas.microsoft.com/office/drawing/2014/main" xmlns="" id="{BD35331C-4332-054E-A26E-65DE4997E3EE}"/>
               </a:ext>
             </a:extLst>
           </p:cNvPr>
@@ -1761,7 +1761,7 @@
           <p:cNvPr id="6" name="Content Placeholder 5">
             <a:extLst>
               <a:ext uri="{FF2B5EF4-FFF2-40B4-BE49-F238E27FC236}">
-                <a16:creationId xmlns="" xmlns:a16="http://schemas.microsoft.com/office/drawing/2014/main" id="{1A77B119-F404-F849-8C18-5262FB8112E8}"/>
+                <a16:creationId xmlns:a16="http://schemas.microsoft.com/office/drawing/2014/main" xmlns="" id="{1A77B119-F404-F849-8C18-5262FB8112E8}"/>
               </a:ext>
             </a:extLst>
           </p:cNvPr>
@@ -1823,7 +1823,7 @@
           <p:cNvPr id="7" name="Date Placeholder 6">
             <a:extLst>
               <a:ext uri="{FF2B5EF4-FFF2-40B4-BE49-F238E27FC236}">
-                <a16:creationId xmlns="" xmlns:a16="http://schemas.microsoft.com/office/drawing/2014/main" id="{240306CC-3763-2047-BE6E-EF5D0BF9C18E}"/>
+                <a16:creationId xmlns:a16="http://schemas.microsoft.com/office/drawing/2014/main" xmlns="" id="{240306CC-3763-2047-BE6E-EF5D0BF9C18E}"/>
               </a:ext>
             </a:extLst>
           </p:cNvPr>
@@ -1841,7 +1841,7 @@
           <a:p>
             <a:fld id="{7B1CCDE6-6509-7647-80D5-5682AF1CD711}" type="datetimeFigureOut">
               <a:rPr lang="en-US" smtClean="0"/>
-              <a:t>6/3/2019</a:t>
+              <a:t>6/4/2019</a:t>
             </a:fld>
             <a:endParaRPr lang="en-US"/>
           </a:p>
@@ -1852,7 +1852,7 @@
           <p:cNvPr id="8" name="Footer Placeholder 7">
             <a:extLst>
               <a:ext uri="{FF2B5EF4-FFF2-40B4-BE49-F238E27FC236}">
-                <a16:creationId xmlns="" xmlns:a16="http://schemas.microsoft.com/office/drawing/2014/main" id="{B8DD3C14-911B-684B-BBE7-9D8C07CF886A}"/>
+                <a16:creationId xmlns:a16="http://schemas.microsoft.com/office/drawing/2014/main" xmlns="" id="{B8DD3C14-911B-684B-BBE7-9D8C07CF886A}"/>
               </a:ext>
             </a:extLst>
           </p:cNvPr>
@@ -1877,7 +1877,7 @@
           <p:cNvPr id="9" name="Slide Number Placeholder 8">
             <a:extLst>
               <a:ext uri="{FF2B5EF4-FFF2-40B4-BE49-F238E27FC236}">
-                <a16:creationId xmlns="" xmlns:a16="http://schemas.microsoft.com/office/drawing/2014/main" id="{7A7E944B-9EF9-DB4F-BBC4-B8378097C236}"/>
+                <a16:creationId xmlns:a16="http://schemas.microsoft.com/office/drawing/2014/main" xmlns="" id="{7A7E944B-9EF9-DB4F-BBC4-B8378097C236}"/>
               </a:ext>
             </a:extLst>
           </p:cNvPr>
@@ -1936,7 +1936,7 @@
           <p:cNvPr id="2" name="Title 1">
             <a:extLst>
               <a:ext uri="{FF2B5EF4-FFF2-40B4-BE49-F238E27FC236}">
-                <a16:creationId xmlns="" xmlns:a16="http://schemas.microsoft.com/office/drawing/2014/main" id="{66BBB8A8-42C8-8748-9727-978EA29BE960}"/>
+                <a16:creationId xmlns:a16="http://schemas.microsoft.com/office/drawing/2014/main" xmlns="" id="{66BBB8A8-42C8-8748-9727-978EA29BE960}"/>
               </a:ext>
             </a:extLst>
           </p:cNvPr>
@@ -1964,7 +1964,7 @@
           <p:cNvPr id="3" name="Date Placeholder 2">
             <a:extLst>
               <a:ext uri="{FF2B5EF4-FFF2-40B4-BE49-F238E27FC236}">
-                <a16:creationId xmlns="" xmlns:a16="http://schemas.microsoft.com/office/drawing/2014/main" id="{BA2ADB91-C04D-8E40-B48B-DA093229ADC9}"/>
+                <a16:creationId xmlns:a16="http://schemas.microsoft.com/office/drawing/2014/main" xmlns="" id="{BA2ADB91-C04D-8E40-B48B-DA093229ADC9}"/>
               </a:ext>
             </a:extLst>
           </p:cNvPr>
@@ -1982,7 +1982,7 @@
           <a:p>
             <a:fld id="{7B1CCDE6-6509-7647-80D5-5682AF1CD711}" type="datetimeFigureOut">
               <a:rPr lang="en-US" smtClean="0"/>
-              <a:t>6/3/2019</a:t>
+              <a:t>6/4/2019</a:t>
             </a:fld>
             <a:endParaRPr lang="en-US"/>
           </a:p>
@@ -1993,7 +1993,7 @@
           <p:cNvPr id="4" name="Footer Placeholder 3">
             <a:extLst>
               <a:ext uri="{FF2B5EF4-FFF2-40B4-BE49-F238E27FC236}">
-                <a16:creationId xmlns="" xmlns:a16="http://schemas.microsoft.com/office/drawing/2014/main" id="{BBD9BCE3-AC61-EE40-A944-B983BD027A11}"/>
+                <a16:creationId xmlns:a16="http://schemas.microsoft.com/office/drawing/2014/main" xmlns="" id="{BBD9BCE3-AC61-EE40-A944-B983BD027A11}"/>
               </a:ext>
             </a:extLst>
           </p:cNvPr>
@@ -2018,7 +2018,7 @@
           <p:cNvPr id="5" name="Slide Number Placeholder 4">
             <a:extLst>
               <a:ext uri="{FF2B5EF4-FFF2-40B4-BE49-F238E27FC236}">
-                <a16:creationId xmlns="" xmlns:a16="http://schemas.microsoft.com/office/drawing/2014/main" id="{3209C222-0031-6843-B96A-36F038AC9ABD}"/>
+                <a16:creationId xmlns:a16="http://schemas.microsoft.com/office/drawing/2014/main" xmlns="" id="{3209C222-0031-6843-B96A-36F038AC9ABD}"/>
               </a:ext>
             </a:extLst>
           </p:cNvPr>
@@ -2077,7 +2077,7 @@
           <p:cNvPr id="2" name="Date Placeholder 1">
             <a:extLst>
               <a:ext uri="{FF2B5EF4-FFF2-40B4-BE49-F238E27FC236}">
-                <a16:creationId xmlns="" xmlns:a16="http://schemas.microsoft.com/office/drawing/2014/main" id="{5D167587-8718-9A4D-B29C-461A0D53C0F7}"/>
+                <a16:creationId xmlns:a16="http://schemas.microsoft.com/office/drawing/2014/main" xmlns="" id="{5D167587-8718-9A4D-B29C-461A0D53C0F7}"/>
               </a:ext>
             </a:extLst>
           </p:cNvPr>
@@ -2095,7 +2095,7 @@
           <a:p>
             <a:fld id="{7B1CCDE6-6509-7647-80D5-5682AF1CD711}" type="datetimeFigureOut">
               <a:rPr lang="en-US" smtClean="0"/>
-              <a:t>6/3/2019</a:t>
+              <a:t>6/4/2019</a:t>
             </a:fld>
             <a:endParaRPr lang="en-US"/>
           </a:p>
@@ -2106,7 +2106,7 @@
           <p:cNvPr id="3" name="Footer Placeholder 2">
             <a:extLst>
               <a:ext uri="{FF2B5EF4-FFF2-40B4-BE49-F238E27FC236}">
-                <a16:creationId xmlns="" xmlns:a16="http://schemas.microsoft.com/office/drawing/2014/main" id="{92D858F3-DA39-7B43-885C-9E05DCA0BD8B}"/>
+                <a16:creationId xmlns:a16="http://schemas.microsoft.com/office/drawing/2014/main" xmlns="" id="{92D858F3-DA39-7B43-885C-9E05DCA0BD8B}"/>
               </a:ext>
             </a:extLst>
           </p:cNvPr>
@@ -2131,7 +2131,7 @@
           <p:cNvPr id="4" name="Slide Number Placeholder 3">
             <a:extLst>
               <a:ext uri="{FF2B5EF4-FFF2-40B4-BE49-F238E27FC236}">
-                <a16:creationId xmlns="" xmlns:a16="http://schemas.microsoft.com/office/drawing/2014/main" id="{F0BEEBF2-0452-854D-8B4D-FA6E0D36E6E8}"/>
+                <a16:creationId xmlns:a16="http://schemas.microsoft.com/office/drawing/2014/main" xmlns="" id="{F0BEEBF2-0452-854D-8B4D-FA6E0D36E6E8}"/>
               </a:ext>
             </a:extLst>
           </p:cNvPr>
@@ -2190,7 +2190,7 @@
           <p:cNvPr id="2" name="Title 1">
             <a:extLst>
               <a:ext uri="{FF2B5EF4-FFF2-40B4-BE49-F238E27FC236}">
-                <a16:creationId xmlns="" xmlns:a16="http://schemas.microsoft.com/office/drawing/2014/main" id="{68FF624A-6ABF-1E49-BEE9-F36AE7EB7B9D}"/>
+                <a16:creationId xmlns:a16="http://schemas.microsoft.com/office/drawing/2014/main" xmlns="" id="{68FF624A-6ABF-1E49-BEE9-F36AE7EB7B9D}"/>
               </a:ext>
             </a:extLst>
           </p:cNvPr>
@@ -2227,7 +2227,7 @@
           <p:cNvPr id="3" name="Content Placeholder 2">
             <a:extLst>
               <a:ext uri="{FF2B5EF4-FFF2-40B4-BE49-F238E27FC236}">
-                <a16:creationId xmlns="" xmlns:a16="http://schemas.microsoft.com/office/drawing/2014/main" id="{A8978EEA-9B15-414B-810C-8928B2645D80}"/>
+                <a16:creationId xmlns:a16="http://schemas.microsoft.com/office/drawing/2014/main" xmlns="" id="{A8978EEA-9B15-414B-810C-8928B2645D80}"/>
               </a:ext>
             </a:extLst>
           </p:cNvPr>
@@ -2317,7 +2317,7 @@
           <p:cNvPr id="4" name="Text Placeholder 3">
             <a:extLst>
               <a:ext uri="{FF2B5EF4-FFF2-40B4-BE49-F238E27FC236}">
-                <a16:creationId xmlns="" xmlns:a16="http://schemas.microsoft.com/office/drawing/2014/main" id="{01D2D603-51CE-9A4B-BE53-1A9D5DED1AA2}"/>
+                <a16:creationId xmlns:a16="http://schemas.microsoft.com/office/drawing/2014/main" xmlns="" id="{01D2D603-51CE-9A4B-BE53-1A9D5DED1AA2}"/>
               </a:ext>
             </a:extLst>
           </p:cNvPr>
@@ -2388,7 +2388,7 @@
           <p:cNvPr id="5" name="Date Placeholder 4">
             <a:extLst>
               <a:ext uri="{FF2B5EF4-FFF2-40B4-BE49-F238E27FC236}">
-                <a16:creationId xmlns="" xmlns:a16="http://schemas.microsoft.com/office/drawing/2014/main" id="{FD6EBF50-9201-2B4F-8879-47DDD5D51347}"/>
+                <a16:creationId xmlns:a16="http://schemas.microsoft.com/office/drawing/2014/main" xmlns="" id="{FD6EBF50-9201-2B4F-8879-47DDD5D51347}"/>
               </a:ext>
             </a:extLst>
           </p:cNvPr>
@@ -2406,7 +2406,7 @@
           <a:p>
             <a:fld id="{7B1CCDE6-6509-7647-80D5-5682AF1CD711}" type="datetimeFigureOut">
               <a:rPr lang="en-US" smtClean="0"/>
-              <a:t>6/3/2019</a:t>
+              <a:t>6/4/2019</a:t>
             </a:fld>
             <a:endParaRPr lang="en-US"/>
           </a:p>
@@ -2417,7 +2417,7 @@
           <p:cNvPr id="6" name="Footer Placeholder 5">
             <a:extLst>
               <a:ext uri="{FF2B5EF4-FFF2-40B4-BE49-F238E27FC236}">
-                <a16:creationId xmlns="" xmlns:a16="http://schemas.microsoft.com/office/drawing/2014/main" id="{2A7C86B5-5848-D640-9E7C-A363ECE1D00B}"/>
+                <a16:creationId xmlns:a16="http://schemas.microsoft.com/office/drawing/2014/main" xmlns="" id="{2A7C86B5-5848-D640-9E7C-A363ECE1D00B}"/>
               </a:ext>
             </a:extLst>
           </p:cNvPr>
@@ -2442,7 +2442,7 @@
           <p:cNvPr id="7" name="Slide Number Placeholder 6">
             <a:extLst>
               <a:ext uri="{FF2B5EF4-FFF2-40B4-BE49-F238E27FC236}">
-                <a16:creationId xmlns="" xmlns:a16="http://schemas.microsoft.com/office/drawing/2014/main" id="{61288D21-32D4-2D49-B8DA-9970406E6977}"/>
+                <a16:creationId xmlns:a16="http://schemas.microsoft.com/office/drawing/2014/main" xmlns="" id="{61288D21-32D4-2D49-B8DA-9970406E6977}"/>
               </a:ext>
             </a:extLst>
           </p:cNvPr>
@@ -2501,7 +2501,7 @@
           <p:cNvPr id="2" name="Title 1">
             <a:extLst>
               <a:ext uri="{FF2B5EF4-FFF2-40B4-BE49-F238E27FC236}">
-                <a16:creationId xmlns="" xmlns:a16="http://schemas.microsoft.com/office/drawing/2014/main" id="{3983D61B-1807-0A43-9AF9-7202002B3619}"/>
+                <a16:creationId xmlns:a16="http://schemas.microsoft.com/office/drawing/2014/main" xmlns="" id="{3983D61B-1807-0A43-9AF9-7202002B3619}"/>
               </a:ext>
             </a:extLst>
           </p:cNvPr>
@@ -2538,7 +2538,7 @@
           <p:cNvPr id="3" name="Picture Placeholder 2">
             <a:extLst>
               <a:ext uri="{FF2B5EF4-FFF2-40B4-BE49-F238E27FC236}">
-                <a16:creationId xmlns="" xmlns:a16="http://schemas.microsoft.com/office/drawing/2014/main" id="{287FE6C8-E5B3-C04E-92E6-EB34E375A455}"/>
+                <a16:creationId xmlns:a16="http://schemas.microsoft.com/office/drawing/2014/main" xmlns="" id="{287FE6C8-E5B3-C04E-92E6-EB34E375A455}"/>
               </a:ext>
             </a:extLst>
           </p:cNvPr>
@@ -2605,7 +2605,7 @@
           <p:cNvPr id="4" name="Text Placeholder 3">
             <a:extLst>
               <a:ext uri="{FF2B5EF4-FFF2-40B4-BE49-F238E27FC236}">
-                <a16:creationId xmlns="" xmlns:a16="http://schemas.microsoft.com/office/drawing/2014/main" id="{B257620B-666D-004D-84BD-1F66038B2155}"/>
+                <a16:creationId xmlns:a16="http://schemas.microsoft.com/office/drawing/2014/main" xmlns="" id="{B257620B-666D-004D-84BD-1F66038B2155}"/>
               </a:ext>
             </a:extLst>
           </p:cNvPr>
@@ -2676,7 +2676,7 @@
           <p:cNvPr id="5" name="Date Placeholder 4">
             <a:extLst>
               <a:ext uri="{FF2B5EF4-FFF2-40B4-BE49-F238E27FC236}">
-                <a16:creationId xmlns="" xmlns:a16="http://schemas.microsoft.com/office/drawing/2014/main" id="{201626B5-45E5-4C43-AAF2-C6C7AFD92719}"/>
+                <a16:creationId xmlns:a16="http://schemas.microsoft.com/office/drawing/2014/main" xmlns="" id="{201626B5-45E5-4C43-AAF2-C6C7AFD92719}"/>
               </a:ext>
             </a:extLst>
           </p:cNvPr>
@@ -2694,7 +2694,7 @@
           <a:p>
             <a:fld id="{7B1CCDE6-6509-7647-80D5-5682AF1CD711}" type="datetimeFigureOut">
               <a:rPr lang="en-US" smtClean="0"/>
-              <a:t>6/3/2019</a:t>
+              <a:t>6/4/2019</a:t>
             </a:fld>
             <a:endParaRPr lang="en-US"/>
           </a:p>
@@ -2705,7 +2705,7 @@
           <p:cNvPr id="6" name="Footer Placeholder 5">
             <a:extLst>
               <a:ext uri="{FF2B5EF4-FFF2-40B4-BE49-F238E27FC236}">
-                <a16:creationId xmlns="" xmlns:a16="http://schemas.microsoft.com/office/drawing/2014/main" id="{46D0C808-35C9-4440-B574-408842238D4C}"/>
+                <a16:creationId xmlns:a16="http://schemas.microsoft.com/office/drawing/2014/main" xmlns="" id="{46D0C808-35C9-4440-B574-408842238D4C}"/>
               </a:ext>
             </a:extLst>
           </p:cNvPr>
@@ -2730,7 +2730,7 @@
           <p:cNvPr id="7" name="Slide Number Placeholder 6">
             <a:extLst>
               <a:ext uri="{FF2B5EF4-FFF2-40B4-BE49-F238E27FC236}">
-                <a16:creationId xmlns="" xmlns:a16="http://schemas.microsoft.com/office/drawing/2014/main" id="{3C5CCAB2-E4D7-0F43-AD60-3DCC7A0C72D3}"/>
+                <a16:creationId xmlns:a16="http://schemas.microsoft.com/office/drawing/2014/main" xmlns="" id="{3C5CCAB2-E4D7-0F43-AD60-3DCC7A0C72D3}"/>
               </a:ext>
             </a:extLst>
           </p:cNvPr>
@@ -2794,7 +2794,7 @@
           <p:cNvPr id="2" name="Title Placeholder 1">
             <a:extLst>
               <a:ext uri="{FF2B5EF4-FFF2-40B4-BE49-F238E27FC236}">
-                <a16:creationId xmlns="" xmlns:a16="http://schemas.microsoft.com/office/drawing/2014/main" id="{73273D23-33BA-944B-8074-B4CAE19F6826}"/>
+                <a16:creationId xmlns:a16="http://schemas.microsoft.com/office/drawing/2014/main" xmlns="" id="{73273D23-33BA-944B-8074-B4CAE19F6826}"/>
               </a:ext>
             </a:extLst>
           </p:cNvPr>
@@ -2832,7 +2832,7 @@
           <p:cNvPr id="3" name="Text Placeholder 2">
             <a:extLst>
               <a:ext uri="{FF2B5EF4-FFF2-40B4-BE49-F238E27FC236}">
-                <a16:creationId xmlns="" xmlns:a16="http://schemas.microsoft.com/office/drawing/2014/main" id="{AB331949-2C54-C24C-8626-FCA3E5773504}"/>
+                <a16:creationId xmlns:a16="http://schemas.microsoft.com/office/drawing/2014/main" xmlns="" id="{AB331949-2C54-C24C-8626-FCA3E5773504}"/>
               </a:ext>
             </a:extLst>
           </p:cNvPr>
@@ -2899,7 +2899,7 @@
           <p:cNvPr id="4" name="Date Placeholder 3">
             <a:extLst>
               <a:ext uri="{FF2B5EF4-FFF2-40B4-BE49-F238E27FC236}">
-                <a16:creationId xmlns="" xmlns:a16="http://schemas.microsoft.com/office/drawing/2014/main" id="{AA52A86C-AB42-D44B-B3E3-83BF671CB72B}"/>
+                <a16:creationId xmlns:a16="http://schemas.microsoft.com/office/drawing/2014/main" xmlns="" id="{AA52A86C-AB42-D44B-B3E3-83BF671CB72B}"/>
               </a:ext>
             </a:extLst>
           </p:cNvPr>
@@ -2935,7 +2935,7 @@
           <a:p>
             <a:fld id="{7B1CCDE6-6509-7647-80D5-5682AF1CD711}" type="datetimeFigureOut">
               <a:rPr lang="en-US" smtClean="0"/>
-              <a:t>6/3/2019</a:t>
+              <a:t>6/4/2019</a:t>
             </a:fld>
             <a:endParaRPr lang="en-US"/>
           </a:p>
@@ -2946,7 +2946,7 @@
           <p:cNvPr id="5" name="Footer Placeholder 4">
             <a:extLst>
               <a:ext uri="{FF2B5EF4-FFF2-40B4-BE49-F238E27FC236}">
-                <a16:creationId xmlns="" xmlns:a16="http://schemas.microsoft.com/office/drawing/2014/main" id="{840EABAA-D06C-F443-BE5E-310CDF253272}"/>
+                <a16:creationId xmlns:a16="http://schemas.microsoft.com/office/drawing/2014/main" xmlns="" id="{840EABAA-D06C-F443-BE5E-310CDF253272}"/>
               </a:ext>
             </a:extLst>
           </p:cNvPr>
@@ -2989,7 +2989,7 @@
           <p:cNvPr id="6" name="Slide Number Placeholder 5">
             <a:extLst>
               <a:ext uri="{FF2B5EF4-FFF2-40B4-BE49-F238E27FC236}">
-                <a16:creationId xmlns="" xmlns:a16="http://schemas.microsoft.com/office/drawing/2014/main" id="{9A3C49AC-C7FD-8C43-B93F-C41B358FC369}"/>
+                <a16:creationId xmlns:a16="http://schemas.microsoft.com/office/drawing/2014/main" xmlns="" id="{9A3C49AC-C7FD-8C43-B93F-C41B358FC369}"/>
               </a:ext>
             </a:extLst>
           </p:cNvPr>
@@ -3357,7 +3357,7 @@
           <p:cNvPr id="2" name="Title 1">
             <a:extLst>
               <a:ext uri="{FF2B5EF4-FFF2-40B4-BE49-F238E27FC236}">
-                <a16:creationId xmlns="" xmlns:a16="http://schemas.microsoft.com/office/drawing/2014/main" id="{66794204-A81E-3B42-B29C-0C08794C69AE}"/>
+                <a16:creationId xmlns:a16="http://schemas.microsoft.com/office/drawing/2014/main" xmlns="" id="{66794204-A81E-3B42-B29C-0C08794C69AE}"/>
               </a:ext>
             </a:extLst>
           </p:cNvPr>
@@ -3391,7 +3391,7 @@
           <p:cNvPr id="3" name="Subtitle 2">
             <a:extLst>
               <a:ext uri="{FF2B5EF4-FFF2-40B4-BE49-F238E27FC236}">
-                <a16:creationId xmlns="" xmlns:a16="http://schemas.microsoft.com/office/drawing/2014/main" id="{61B8BC7C-9BD2-E14A-B07C-AC4DB5CC0D31}"/>
+                <a16:creationId xmlns:a16="http://schemas.microsoft.com/office/drawing/2014/main" xmlns="" id="{61B8BC7C-9BD2-E14A-B07C-AC4DB5CC0D31}"/>
               </a:ext>
             </a:extLst>
           </p:cNvPr>
@@ -3405,17 +3405,30 @@
         <p:spPr>
           <a:xfrm>
             <a:off x="1824039" y="5768976"/>
-            <a:ext cx="7505700" cy="488949"/>
+            <a:ext cx="7505700" cy="747734"/>
           </a:xfrm>
         </p:spPr>
         <p:txBody>
-          <a:bodyPr/>
+          <a:bodyPr>
+            <a:normAutofit fontScale="92500" lnSpcReduction="20000"/>
+          </a:bodyPr>
           <a:lstStyle/>
           <a:p>
             <a:pPr algn="r"/>
             <a:r>
               <a:rPr lang="en-US" dirty="0" smtClean="0"/>
-              <a:t>Shilpa Kumari</a:t>
+              <a:t>Shilpa </a:t>
+            </a:r>
+            <a:r>
+              <a:rPr lang="en-US" dirty="0" smtClean="0"/>
+              <a:t>Kumari</a:t>
+            </a:r>
+          </a:p>
+          <a:p>
+            <a:pPr algn="r"/>
+            <a:r>
+              <a:rPr lang="en-US" dirty="0" smtClean="0"/>
+              <a:t>Roll-No: 51610038</a:t>
             </a:r>
             <a:endParaRPr lang="en-US" dirty="0"/>
           </a:p>
@@ -3423,29 +3436,62 @@
       </p:sp>
       <p:pic>
         <p:nvPicPr>
-          <p:cNvPr id="8" name="Picture 7"/>
-          <p:cNvPicPr/>
+          <p:cNvPr id="1027" name="Picture 3"/>
+          <p:cNvPicPr>
+            <a:picLocks noChangeAspect="1" noChangeArrowheads="1"/>
+          </p:cNvPicPr>
           <p:nvPr/>
         </p:nvPicPr>
         <p:blipFill rotWithShape="1">
-          <a:blip r:embed="rId2"/>
-          <a:srcRect l="12179" t="34483" r="47970" b="14595"/>
+          <a:blip r:embed="rId2">
+            <a:extLst>
+              <a:ext uri="{28A0092B-C50C-407E-A947-70E740481C1C}">
+                <a14:useLocalDpi xmlns:a14="http://schemas.microsoft.com/office/drawing/2010/main" val="0"/>
+              </a:ext>
+            </a:extLst>
+          </a:blip>
+          <a:srcRect l="17068" t="41857" r="54024" b="32031"/>
           <a:stretch/>
         </p:blipFill>
         <p:spPr bwMode="auto">
           <a:xfrm>
-            <a:off x="3288016" y="589853"/>
-            <a:ext cx="5669280" cy="3749040"/>
+            <a:off x="1287887" y="115909"/>
+            <a:ext cx="9380112" cy="4763347"/>
           </a:xfrm>
           <a:prstGeom prst="rect">
             <a:avLst/>
           </a:prstGeom>
+          <a:noFill/>
           <a:ln>
             <a:noFill/>
           </a:ln>
+          <a:effectLst/>
           <a:extLst>
-            <a:ext uri="{53640926-AAD7-44D8-BBD7-CCE9431645EC}">
-              <a14:shadowObscured xmlns:a14="http://schemas.microsoft.com/office/drawing/2010/main"/>
+            <a:ext uri="{909E8E84-426E-40DD-AFC4-6F175D3DCCD1}">
+              <a14:hiddenFill xmlns:a14="http://schemas.microsoft.com/office/drawing/2010/main">
+                <a:solidFill>
+                  <a:schemeClr val="accent1"/>
+                </a:solidFill>
+              </a14:hiddenFill>
+            </a:ext>
+            <a:ext uri="{91240B29-F687-4F45-9708-019B960494DF}">
+              <a14:hiddenLine xmlns:a14="http://schemas.microsoft.com/office/drawing/2010/main" w="9525">
+                <a:solidFill>
+                  <a:schemeClr val="tx1"/>
+                </a:solidFill>
+                <a:miter lim="800000"/>
+                <a:headEnd/>
+                <a:tailEnd/>
+              </a14:hiddenLine>
+            </a:ext>
+            <a:ext uri="{AF507438-7753-43E0-B8FC-AC1667EBCBE1}">
+              <a14:hiddenEffects xmlns:a14="http://schemas.microsoft.com/office/drawing/2010/main">
+                <a:effectLst>
+                  <a:outerShdw dist="35921" dir="2700000" algn="ctr" rotWithShape="0">
+                    <a:schemeClr val="bg2"/>
+                  </a:outerShdw>
+                </a:effectLst>
+              </a14:hiddenEffects>
             </a:ext>
           </a:extLst>
         </p:spPr>
@@ -3618,8 +3664,13 @@
           <a:p>
             <a:r>
               <a:rPr lang="en-US" sz="2400" dirty="0"/>
-              <a:t>The projected Pseudo-Mercator coordinate system takes the WGS84 coordinate system and projects it onto a square</a:t>
-            </a:r>
+              <a:t>The projected Pseudo-Mercator coordinate system takes the WGS84 coordinate system and projects it onto a </a:t>
+            </a:r>
+            <a:r>
+              <a:rPr lang="en-US" sz="2400" dirty="0" smtClean="0"/>
+              <a:t>rectangle</a:t>
+            </a:r>
+            <a:endParaRPr lang="en-US" sz="2400" dirty="0"/>
           </a:p>
         </p:txBody>
       </p:sp>
@@ -3698,18 +3749,31 @@
             </a:r>
             <a:r>
               <a:rPr lang="en-US" dirty="0"/>
-              <a:t>a data structure that encode a two-dimensional space into adaptable cells. Similar to binary trees, quadtrees are a tree structure where every non-leaf node has exactly four children. In the context of location, these nodes represent the four quadrants: NW, NE, SW, and SE. Each node in a quadtree can be recursively subdivided, with successive subdivisions resulting in smaller and smaller cells.</a:t>
-            </a:r>
+              <a:t>a data structure that encode a two-dimensional space into adaptable cells. </a:t>
+            </a:r>
+            <a:endParaRPr lang="en-US" dirty="0" smtClean="0"/>
           </a:p>
           <a:p>
             <a:pPr fontAlgn="base"/>
+            <a:endParaRPr lang="en-US" dirty="0" smtClean="0"/>
+          </a:p>
+          <a:p>
+            <a:pPr fontAlgn="base"/>
             <a:r>
               <a:rPr lang="en-US" dirty="0"/>
-              <a:t>A quadtree can be depicted as a grid, with each square representing a node in the </a:t>
+              <a:t>N</a:t>
             </a:r>
             <a:r>
               <a:rPr lang="en-US" dirty="0" smtClean="0"/>
-              <a:t>tree.</a:t>
+              <a:t>odes </a:t>
+            </a:r>
+            <a:r>
+              <a:rPr lang="en-US" dirty="0"/>
+              <a:t>represent the four quadrants: NW, NE, SW, and SE. Each node in a quadtree can be recursively </a:t>
+            </a:r>
+            <a:r>
+              <a:rPr lang="en-US" dirty="0" smtClean="0"/>
+              <a:t>subdivided.</a:t>
             </a:r>
             <a:endParaRPr lang="en-US" dirty="0"/>
           </a:p>
@@ -3762,9 +3826,13 @@
           <a:p>
             <a:r>
               <a:rPr lang="en-US" dirty="0" smtClean="0"/>
+              <a:t>                                   </a:t>
+            </a:r>
+            <a:r>
+              <a:rPr lang="en-US" sz="4000" dirty="0" smtClean="0"/>
               <a:t>Quadtree</a:t>
             </a:r>
-            <a:endParaRPr lang="en-US" dirty="0"/>
+            <a:endParaRPr lang="en-US" sz="4000" dirty="0"/>
           </a:p>
         </p:txBody>
       </p:sp>
@@ -3789,18 +3857,10 @@
             </a:r>
           </a:p>
           <a:p>
-            <a:r>
-              <a:rPr lang="en-US" dirty="0" smtClean="0"/>
-              <a:t>In quadtree </a:t>
-            </a:r>
-            <a:r>
-              <a:rPr lang="en-US" dirty="0"/>
-              <a:t>cut each map into tiles for quick retrieval and </a:t>
-            </a:r>
-            <a:r>
-              <a:rPr lang="en-US" dirty="0" smtClean="0"/>
-              <a:t>display.</a:t>
-            </a:r>
+            <a:pPr marL="0" indent="0">
+              <a:buNone/>
+            </a:pPr>
+            <a:endParaRPr lang="en-US" dirty="0" smtClean="0"/>
           </a:p>
           <a:p>
             <a:endParaRPr lang="en-US" dirty="0"/>
@@ -3809,29 +3869,62 @@
       </p:sp>
       <p:pic>
         <p:nvPicPr>
-          <p:cNvPr id="5" name="Picture 4"/>
-          <p:cNvPicPr/>
+          <p:cNvPr id="3074" name="Picture 2"/>
+          <p:cNvPicPr>
+            <a:picLocks noChangeAspect="1" noChangeArrowheads="1"/>
+          </p:cNvPicPr>
           <p:nvPr/>
         </p:nvPicPr>
         <p:blipFill rotWithShape="1">
-          <a:blip r:embed="rId2"/>
-          <a:srcRect l="32002" t="28568" r="32052" b="18805"/>
+          <a:blip r:embed="rId2">
+            <a:extLst>
+              <a:ext uri="{28A0092B-C50C-407E-A947-70E740481C1C}">
+                <a14:useLocalDpi xmlns:a14="http://schemas.microsoft.com/office/drawing/2010/main" val="0"/>
+              </a:ext>
+            </a:extLst>
+          </a:blip>
+          <a:srcRect l="4444" t="32721" r="40781" b="21899"/>
           <a:stretch/>
         </p:blipFill>
         <p:spPr bwMode="auto">
           <a:xfrm>
-            <a:off x="2627290" y="2962141"/>
-            <a:ext cx="7508383" cy="3322749"/>
+            <a:off x="1983913" y="2529779"/>
+            <a:ext cx="7126941" cy="3319692"/>
           </a:xfrm>
           <a:prstGeom prst="rect">
             <a:avLst/>
           </a:prstGeom>
+          <a:noFill/>
           <a:ln>
             <a:noFill/>
           </a:ln>
+          <a:effectLst/>
           <a:extLst>
-            <a:ext uri="{53640926-AAD7-44D8-BBD7-CCE9431645EC}">
-              <a14:shadowObscured xmlns:a14="http://schemas.microsoft.com/office/drawing/2010/main"/>
+            <a:ext uri="{909E8E84-426E-40DD-AFC4-6F175D3DCCD1}">
+              <a14:hiddenFill xmlns:a14="http://schemas.microsoft.com/office/drawing/2010/main">
+                <a:solidFill>
+                  <a:schemeClr val="accent1"/>
+                </a:solidFill>
+              </a14:hiddenFill>
+            </a:ext>
+            <a:ext uri="{91240B29-F687-4F45-9708-019B960494DF}">
+              <a14:hiddenLine xmlns:a14="http://schemas.microsoft.com/office/drawing/2010/main" w="9525">
+                <a:solidFill>
+                  <a:schemeClr val="tx1"/>
+                </a:solidFill>
+                <a:miter lim="800000"/>
+                <a:headEnd/>
+                <a:tailEnd/>
+              </a14:hiddenLine>
+            </a:ext>
+            <a:ext uri="{AF507438-7753-43E0-B8FC-AC1667EBCBE1}">
+              <a14:hiddenEffects xmlns:a14="http://schemas.microsoft.com/office/drawing/2010/main">
+                <a:effectLst>
+                  <a:outerShdw dist="35921" dir="2700000" algn="ctr" rotWithShape="0">
+                    <a:schemeClr val="bg2"/>
+                  </a:outerShdw>
+                </a:effectLst>
+              </a14:hiddenEffects>
             </a:ext>
           </a:extLst>
         </p:spPr>
@@ -3883,9 +3976,13 @@
           <a:p>
             <a:r>
               <a:rPr lang="en-US" dirty="0" smtClean="0"/>
+              <a:t>                            </a:t>
+            </a:r>
+            <a:r>
+              <a:rPr lang="en-US" sz="4000" dirty="0" smtClean="0"/>
               <a:t>Quadtree</a:t>
             </a:r>
-            <a:endParaRPr lang="en-US" dirty="0"/>
+            <a:endParaRPr lang="en-US" sz="4000" dirty="0"/>
           </a:p>
         </p:txBody>
       </p:sp>
@@ -3901,7 +3998,9 @@
         </p:nvSpPr>
         <p:spPr/>
         <p:txBody>
-          <a:bodyPr/>
+          <a:bodyPr>
+            <a:normAutofit lnSpcReduction="10000"/>
+          </a:bodyPr>
           <a:lstStyle/>
           <a:p>
             <a:r>
@@ -3914,6 +4013,9 @@
             </a:r>
           </a:p>
           <a:p>
+            <a:endParaRPr lang="en-US" dirty="0" smtClean="0"/>
+          </a:p>
+          <a:p>
             <a:r>
               <a:rPr lang="en-US" dirty="0"/>
               <a:t>Starting at the root, determine which quadrant your point occupies. </a:t>
@@ -3924,12 +4026,32 @@
             </a:r>
             <a:r>
               <a:rPr lang="en-US" dirty="0"/>
-              <a:t>to that node and repeat, until you find a leaf node. Then, add your point to that node's list of points. If the list exceeds some pre-determined maximum number of elements, split the node, and move the points into the correct </a:t>
-            </a:r>
+              <a:t>to that node and repeat, until you find a leaf node. </a:t>
+            </a:r>
+            <a:endParaRPr lang="en-US" dirty="0"/>
+          </a:p>
+          <a:p>
+            <a:endParaRPr lang="en-US" dirty="0" smtClean="0"/>
+          </a:p>
+          <a:p>
             <a:r>
               <a:rPr lang="en-US" dirty="0" smtClean="0"/>
-              <a:t>sub nodes.</a:t>
-            </a:r>
+              <a:t>If </a:t>
+            </a:r>
+            <a:r>
+              <a:rPr lang="en-US" dirty="0"/>
+              <a:t>the list exceeds some pre-determined maximum number of elements, split the node, and move the points into the correct </a:t>
+            </a:r>
+            <a:r>
+              <a:rPr lang="en-US" dirty="0" smtClean="0"/>
+              <a:t>sub nodes</a:t>
+            </a:r>
+            <a:r>
+              <a:rPr lang="en-US" dirty="0" smtClean="0"/>
+              <a:t>.</a:t>
+            </a:r>
+          </a:p>
+          <a:p>
             <a:endParaRPr lang="en-US" dirty="0"/>
           </a:p>
         </p:txBody>
@@ -3981,7 +4103,7 @@
           <a:p>
             <a:r>
               <a:rPr lang="en-US" dirty="0" smtClean="0"/>
-              <a:t>Parameters </a:t>
+              <a:t>                        Parameters </a:t>
             </a:r>
             <a:endParaRPr lang="en-US" dirty="0"/>
           </a:p>
@@ -7407,9 +7529,17 @@
           <a:p>
             <a:r>
               <a:rPr lang="en-US" sz="4000" dirty="0" smtClean="0"/>
-              <a:t>Mentor Details</a:t>
-            </a:r>
-            <a:endParaRPr lang="en-US" sz="4000" dirty="0"/>
+              <a:t>                      </a:t>
+            </a:r>
+            <a:r>
+              <a:rPr lang="en-US" sz="4000" b="1" dirty="0" smtClean="0"/>
+              <a:t>Mentor </a:t>
+            </a:r>
+            <a:r>
+              <a:rPr lang="en-US" sz="4000" b="1" dirty="0" smtClean="0"/>
+              <a:t>Details</a:t>
+            </a:r>
+            <a:endParaRPr lang="en-US" sz="4000" b="1" dirty="0"/>
           </a:p>
         </p:txBody>
       </p:sp>
@@ -7425,49 +7555,33 @@
         </p:nvSpPr>
         <p:spPr/>
         <p:txBody>
-          <a:bodyPr/>
+          <a:bodyPr>
+            <a:normAutofit/>
+          </a:bodyPr>
           <a:lstStyle/>
           <a:p>
             <a:r>
-              <a:rPr lang="en-US" dirty="0"/>
-              <a:t>Name : Vijay Kumar</a:t>
-            </a:r>
-          </a:p>
-          <a:p>
-            <a:r>
-              <a:rPr lang="en-US" dirty="0"/>
-              <a:t>Email id  :vijayk@greysprings.com</a:t>
-            </a:r>
-          </a:p>
-          <a:p>
-            <a:r>
-              <a:rPr lang="en-US" dirty="0"/>
-              <a:t>Designation : Senior Software  Developer</a:t>
-            </a:r>
-          </a:p>
-          <a:p>
-            <a:pPr marL="0" indent="0">
-              <a:buNone/>
-            </a:pPr>
-            <a:endParaRPr lang="en-US" sz="4400" b="1" u="sng" dirty="0"/>
-          </a:p>
-          <a:p>
-            <a:r>
-              <a:rPr lang="en-US" dirty="0"/>
-              <a:t>Name : Manish Kumar</a:t>
-            </a:r>
-          </a:p>
-          <a:p>
-            <a:r>
-              <a:rPr lang="en-US" dirty="0"/>
-              <a:t>Email id: mj@greysprings.com</a:t>
-            </a:r>
-          </a:p>
-          <a:p>
-            <a:r>
-              <a:rPr lang="en-US" dirty="0"/>
-              <a:t>Designation :Senior Software  Developer</a:t>
-            </a:r>
+              <a:rPr lang="en-US" dirty="0" smtClean="0"/>
+              <a:t>  Name: Chandan Thakur</a:t>
+            </a:r>
+          </a:p>
+          <a:p>
+            <a:r>
+              <a:rPr lang="en-US" dirty="0" smtClean="0"/>
+              <a:t>  Email id: chthakur@greysprings.com</a:t>
+            </a:r>
+          </a:p>
+          <a:p>
+            <a:r>
+              <a:rPr lang="en-US" dirty="0" smtClean="0"/>
+              <a:t>  Designation: Director</a:t>
+            </a:r>
+          </a:p>
+          <a:p>
+            <a:endParaRPr lang="en-US" dirty="0"/>
+          </a:p>
+          <a:p>
+            <a:endParaRPr lang="en-US" dirty="0" smtClean="0"/>
           </a:p>
           <a:p>
             <a:endParaRPr lang="en-US" dirty="0"/>
@@ -7542,7 +7656,7 @@
           <p:cNvPr id="2" name="Title 1">
             <a:extLst>
               <a:ext uri="{FF2B5EF4-FFF2-40B4-BE49-F238E27FC236}">
-                <a16:creationId xmlns="" xmlns:a16="http://schemas.microsoft.com/office/drawing/2014/main" id="{95052D65-88E7-2B46-8181-77BFB6FCF520}"/>
+                <a16:creationId xmlns:a16="http://schemas.microsoft.com/office/drawing/2014/main" xmlns="" id="{95052D65-88E7-2B46-8181-77BFB6FCF520}"/>
               </a:ext>
             </a:extLst>
           </p:cNvPr>
@@ -7566,10 +7680,10 @@
           <a:lstStyle/>
           <a:p>
             <a:r>
-              <a:rPr lang="en-US" sz="4000" b="1" u="sng" dirty="0" smtClean="0"/>
-              <a:t>Introduction</a:t>
-            </a:r>
-            <a:endParaRPr lang="en-US" sz="4000" b="1" u="sng" dirty="0"/>
+              <a:rPr lang="en-US" sz="4000" b="1" dirty="0" smtClean="0"/>
+              <a:t>                      Introduction</a:t>
+            </a:r>
+            <a:endParaRPr lang="en-US" sz="4000" b="1" dirty="0"/>
           </a:p>
         </p:txBody>
       </p:sp>
@@ -7578,7 +7692,7 @@
           <p:cNvPr id="3" name="Content Placeholder 2">
             <a:extLst>
               <a:ext uri="{FF2B5EF4-FFF2-40B4-BE49-F238E27FC236}">
-                <a16:creationId xmlns="" xmlns:a16="http://schemas.microsoft.com/office/drawing/2014/main" id="{1087BEB1-944C-DC45-B3B3-85C974F44BEB}"/>
+                <a16:creationId xmlns:a16="http://schemas.microsoft.com/office/drawing/2014/main" xmlns="" id="{1087BEB1-944C-DC45-B3B3-85C974F44BEB}"/>
               </a:ext>
             </a:extLst>
           </p:cNvPr>
@@ -7661,8 +7775,8 @@
         </p:blipFill>
         <p:spPr bwMode="auto">
           <a:xfrm>
-            <a:off x="7664117" y="1171977"/>
-            <a:ext cx="4364751" cy="3180940"/>
+            <a:off x="6671257" y="1416675"/>
+            <a:ext cx="5357612" cy="4790942"/>
           </a:xfrm>
           <a:prstGeom prst="rect">
             <a:avLst/>
@@ -7726,9 +7840,13 @@
           <a:p>
             <a:r>
               <a:rPr lang="en-US" sz="4000" dirty="0" smtClean="0"/>
+              <a:t>                           </a:t>
+            </a:r>
+            <a:r>
+              <a:rPr lang="en-US" sz="4000" b="1" dirty="0" smtClean="0"/>
               <a:t>Objective</a:t>
             </a:r>
-            <a:endParaRPr lang="en-US" sz="4000" dirty="0"/>
+            <a:endParaRPr lang="en-US" sz="4000" b="1" dirty="0"/>
           </a:p>
         </p:txBody>
       </p:sp>
@@ -7809,7 +7927,7 @@
           <p:cNvPr id="2" name="Title 1">
             <a:extLst>
               <a:ext uri="{FF2B5EF4-FFF2-40B4-BE49-F238E27FC236}">
-                <a16:creationId xmlns="" xmlns:a16="http://schemas.microsoft.com/office/drawing/2014/main" id="{95052D65-88E7-2B46-8181-77BFB6FCF520}"/>
+                <a16:creationId xmlns:a16="http://schemas.microsoft.com/office/drawing/2014/main" xmlns="" id="{95052D65-88E7-2B46-8181-77BFB6FCF520}"/>
               </a:ext>
             </a:extLst>
           </p:cNvPr>
@@ -7833,18 +7951,30 @@
           <a:lstStyle/>
           <a:p>
             <a:r>
-              <a:rPr lang="en-US" b="1" u="sng" dirty="0" smtClean="0">
+              <a:rPr lang="en-US" b="1" dirty="0" smtClean="0">
                 <a:solidFill>
                   <a:schemeClr val="accent1"/>
                 </a:solidFill>
               </a:rPr>
-              <a:t>Technology used</a:t>
-            </a:r>
-            <a:endParaRPr lang="en-US" b="1" u="sng" dirty="0">
-              <a:solidFill>
-                <a:schemeClr val="accent1"/>
-              </a:solidFill>
-            </a:endParaRPr>
+              <a:t>                           </a:t>
+            </a:r>
+            <a:r>
+              <a:rPr lang="en-US" b="1" dirty="0" smtClean="0"/>
+              <a:t>Technology</a:t>
+            </a:r>
+            <a:r>
+              <a:rPr lang="en-US" b="1" dirty="0" smtClean="0">
+                <a:solidFill>
+                  <a:schemeClr val="accent1"/>
+                </a:solidFill>
+              </a:rPr>
+              <a:t> </a:t>
+            </a:r>
+            <a:r>
+              <a:rPr lang="en-US" b="1" dirty="0" smtClean="0"/>
+              <a:t>used</a:t>
+            </a:r>
+            <a:endParaRPr lang="en-US" b="1" dirty="0"/>
           </a:p>
         </p:txBody>
       </p:sp>
@@ -7853,7 +7983,7 @@
           <p:cNvPr id="3" name="Content Placeholder 2">
             <a:extLst>
               <a:ext uri="{FF2B5EF4-FFF2-40B4-BE49-F238E27FC236}">
-                <a16:creationId xmlns="" xmlns:a16="http://schemas.microsoft.com/office/drawing/2014/main" id="{1087BEB1-944C-DC45-B3B3-85C974F44BEB}"/>
+                <a16:creationId xmlns:a16="http://schemas.microsoft.com/office/drawing/2014/main" xmlns="" id="{1087BEB1-944C-DC45-B3B3-85C974F44BEB}"/>
               </a:ext>
             </a:extLst>
           </p:cNvPr>
@@ -7972,10 +8102,10 @@
           <p:cNvPr id="8" name="Rectangle 7">
             <a:extLst>
               <a:ext uri="{FF2B5EF4-FFF2-40B4-BE49-F238E27FC236}">
-                <a16:creationId xmlns="" xmlns:a16="http://schemas.microsoft.com/office/drawing/2014/main" id="{8D70B121-56F4-4848-B38B-182089D909FA}"/>
+                <a16:creationId xmlns:a16="http://schemas.microsoft.com/office/drawing/2014/main" xmlns="" id="{8D70B121-56F4-4848-B38B-182089D909FA}"/>
               </a:ext>
               <a:ext uri="{C183D7F6-B498-43B3-948B-1728B52AA6E4}">
-                <adec:decorative xmlns="" xmlns:adec="http://schemas.microsoft.com/office/drawing/2017/decorative" val="1"/>
+                <adec:decorative xmlns:adec="http://schemas.microsoft.com/office/drawing/2017/decorative" xmlns="" val="1"/>
               </a:ext>
             </a:extLst>
           </p:cNvPr>
@@ -7985,7 +8115,7 @@
           <p:nvPr>
             <p:extLst>
               <p:ext uri="{386F3935-93C4-4BCD-93E2-E3B085C9AB24}">
-                <p16:designElem xmlns="" xmlns:p16="http://schemas.microsoft.com/office/powerpoint/2015/main" val="1"/>
+                <p16:designElem xmlns:p16="http://schemas.microsoft.com/office/powerpoint/2015/main" xmlns="" val="1"/>
               </p:ext>
             </p:extLst>
           </p:nvPr>
@@ -8037,7 +8167,7 @@
           <p:cNvPr id="2" name="Title 1">
             <a:extLst>
               <a:ext uri="{FF2B5EF4-FFF2-40B4-BE49-F238E27FC236}">
-                <a16:creationId xmlns="" xmlns:a16="http://schemas.microsoft.com/office/drawing/2014/main" id="{95052D65-88E7-2B46-8181-77BFB6FCF520}"/>
+                <a16:creationId xmlns:a16="http://schemas.microsoft.com/office/drawing/2014/main" xmlns="" id="{95052D65-88E7-2B46-8181-77BFB6FCF520}"/>
               </a:ext>
             </a:extLst>
           </p:cNvPr>
@@ -8082,10 +8212,10 @@
           <p:cNvPr id="10" name="Straight Connector 9">
             <a:extLst>
               <a:ext uri="{FF2B5EF4-FFF2-40B4-BE49-F238E27FC236}">
-                <a16:creationId xmlns="" xmlns:a16="http://schemas.microsoft.com/office/drawing/2014/main" id="{2D72A2C9-F3CA-4216-8BAD-FA4C970C3C4E}"/>
+                <a16:creationId xmlns:a16="http://schemas.microsoft.com/office/drawing/2014/main" xmlns="" id="{2D72A2C9-F3CA-4216-8BAD-FA4C970C3C4E}"/>
               </a:ext>
               <a:ext uri="{C183D7F6-B498-43B3-948B-1728B52AA6E4}">
-                <adec:decorative xmlns="" xmlns:adec="http://schemas.microsoft.com/office/drawing/2017/decorative" val="1"/>
+                <adec:decorative xmlns:adec="http://schemas.microsoft.com/office/drawing/2017/decorative" xmlns="" val="1"/>
               </a:ext>
             </a:extLst>
           </p:cNvPr>
@@ -8095,7 +8225,7 @@
           <p:nvPr>
             <p:extLst>
               <p:ext uri="{386F3935-93C4-4BCD-93E2-E3B085C9AB24}">
-                <p16:designElem xmlns="" xmlns:p16="http://schemas.microsoft.com/office/powerpoint/2015/main" val="1"/>
+                <p16:designElem xmlns:p16="http://schemas.microsoft.com/office/powerpoint/2015/main" xmlns="" val="1"/>
               </p:ext>
             </p:extLst>
           </p:nvPr>
@@ -8167,8 +8297,8 @@
         </p:blipFill>
         <p:spPr bwMode="auto">
           <a:xfrm>
-            <a:off x="4929186" y="1493949"/>
-            <a:ext cx="6545889" cy="4683014"/>
+            <a:off x="4332562" y="320039"/>
+            <a:ext cx="7537874" cy="6217919"/>
           </a:xfrm>
           <a:prstGeom prst="rect">
             <a:avLst/>
@@ -8230,9 +8360,13 @@
           <a:p>
             <a:r>
               <a:rPr lang="en-US" dirty="0" smtClean="0"/>
+              <a:t>                         </a:t>
+            </a:r>
+            <a:r>
+              <a:rPr lang="en-US" sz="4000" dirty="0" smtClean="0"/>
               <a:t>Steps</a:t>
             </a:r>
-            <a:endParaRPr lang="en-US" dirty="0"/>
+            <a:endParaRPr lang="en-US" sz="4000" dirty="0"/>
           </a:p>
         </p:txBody>
       </p:sp>
@@ -8290,29 +8424,62 @@
       </p:sp>
       <p:pic>
         <p:nvPicPr>
-          <p:cNvPr id="4" name="Picture 3"/>
-          <p:cNvPicPr/>
+          <p:cNvPr id="2051" name="Picture 3"/>
+          <p:cNvPicPr>
+            <a:picLocks noChangeAspect="1" noChangeArrowheads="1"/>
+          </p:cNvPicPr>
           <p:nvPr/>
         </p:nvPicPr>
         <p:blipFill rotWithShape="1">
-          <a:blip r:embed="rId2"/>
-          <a:srcRect t="6823" r="10776" b="42118"/>
+          <a:blip r:embed="rId2">
+            <a:extLst>
+              <a:ext uri="{28A0092B-C50C-407E-A947-70E740481C1C}">
+                <a14:useLocalDpi xmlns:a14="http://schemas.microsoft.com/office/drawing/2010/main" val="0"/>
+              </a:ext>
+            </a:extLst>
+          </a:blip>
+          <a:srcRect t="28082" r="47965" b="36581"/>
           <a:stretch/>
         </p:blipFill>
         <p:spPr bwMode="auto">
           <a:xfrm>
-            <a:off x="838200" y="2962141"/>
-            <a:ext cx="8305800" cy="3747752"/>
+            <a:off x="1277471" y="2877671"/>
+            <a:ext cx="8875058" cy="3657600"/>
           </a:xfrm>
           <a:prstGeom prst="rect">
             <a:avLst/>
           </a:prstGeom>
+          <a:noFill/>
           <a:ln>
             <a:noFill/>
           </a:ln>
+          <a:effectLst/>
           <a:extLst>
-            <a:ext uri="{53640926-AAD7-44D8-BBD7-CCE9431645EC}">
-              <a14:shadowObscured xmlns:a14="http://schemas.microsoft.com/office/drawing/2010/main"/>
+            <a:ext uri="{909E8E84-426E-40DD-AFC4-6F175D3DCCD1}">
+              <a14:hiddenFill xmlns:a14="http://schemas.microsoft.com/office/drawing/2010/main">
+                <a:solidFill>
+                  <a:schemeClr val="accent1"/>
+                </a:solidFill>
+              </a14:hiddenFill>
+            </a:ext>
+            <a:ext uri="{91240B29-F687-4F45-9708-019B960494DF}">
+              <a14:hiddenLine xmlns:a14="http://schemas.microsoft.com/office/drawing/2010/main" w="9525">
+                <a:solidFill>
+                  <a:schemeClr val="tx1"/>
+                </a:solidFill>
+                <a:miter lim="800000"/>
+                <a:headEnd/>
+                <a:tailEnd/>
+              </a14:hiddenLine>
+            </a:ext>
+            <a:ext uri="{AF507438-7753-43E0-B8FC-AC1667EBCBE1}">
+              <a14:hiddenEffects xmlns:a14="http://schemas.microsoft.com/office/drawing/2010/main">
+                <a:effectLst>
+                  <a:outerShdw dist="35921" dir="2700000" algn="ctr" rotWithShape="0">
+                    <a:schemeClr val="bg2"/>
+                  </a:outerShdw>
+                </a:effectLst>
+              </a14:hiddenEffects>
             </a:ext>
           </a:extLst>
         </p:spPr>
@@ -8877,7 +9044,7 @@
   <a:extraClrSchemeLst/>
   <a:extLst>
     <a:ext uri="{05A4C25C-085E-4340-85A3-A5531E510DB2}">
-      <thm15:themeFamily xmlns="" xmlns:thm15="http://schemas.microsoft.com/office/thememl/2012/main" name="Office Theme" id="{62F939B6-93AF-4DB8-9C6B-D6C7DFDC589F}" vid="{4A3C46E8-61CC-4603-A589-7422A47A8E4A}"/>
+      <thm15:themeFamily xmlns:thm15="http://schemas.microsoft.com/office/thememl/2012/main" xmlns="" name="Office Theme" id="{62F939B6-93AF-4DB8-9C6B-D6C7DFDC589F}" vid="{4A3C46E8-61CC-4603-A589-7422A47A8E4A}"/>
     </a:ext>
   </a:extLst>
 </a:theme>
